--- a/day 5-6-python packages/data_manipulation_python.pptx
+++ b/day 5-6-python packages/data_manipulation_python.pptx
@@ -259,7 +259,7 @@
           <a:p>
             <a:fld id="{4B217743-A6FA-3F46-B739-75615A4EE492}" type="datetimeFigureOut">
               <a:rPr lang="en-US" smtClean="0"/>
-              <a:t>8/8/23</a:t>
+              <a:t>8/3/24</a:t>
             </a:fld>
             <a:endParaRPr lang="en-US"/>
           </a:p>
@@ -753,7 +753,7 @@
           <a:p>
             <a:fld id="{1D8BD707-D9CF-40AE-B4C6-C98DA3205C09}" type="datetimeFigureOut">
               <a:rPr lang="en-US"/>
-              <a:t>8/7/23</a:t>
+              <a:t>8/3/24</a:t>
             </a:fld>
             <a:endParaRPr lang="en-US"/>
           </a:p>
@@ -980,7 +980,7 @@
           <a:p>
             <a:fld id="{1D8BD707-D9CF-40AE-B4C6-C98DA3205C09}" type="datetimeFigureOut">
               <a:rPr lang="en-US"/>
-              <a:t>8/7/23</a:t>
+              <a:t>8/3/24</a:t>
             </a:fld>
             <a:endParaRPr lang="en-US"/>
           </a:p>
@@ -1194,7 +1194,7 @@
           <a:p>
             <a:fld id="{1D8BD707-D9CF-40AE-B4C6-C98DA3205C09}" type="datetimeFigureOut">
               <a:rPr lang="en-US"/>
-              <a:t>8/7/23</a:t>
+              <a:t>8/3/24</a:t>
             </a:fld>
             <a:endParaRPr lang="en-US"/>
           </a:p>
@@ -1442,7 +1442,7 @@
           <a:p>
             <a:fld id="{1D8BD707-D9CF-40AE-B4C6-C98DA3205C09}" type="datetimeFigureOut">
               <a:rPr lang="en-US"/>
-              <a:t>8/7/23</a:t>
+              <a:t>8/3/24</a:t>
             </a:fld>
             <a:endParaRPr lang="en-US"/>
           </a:p>
@@ -1561,7 +1561,7 @@
           <a:p>
             <a:fld id="{1D8BD707-D9CF-40AE-B4C6-C98DA3205C09}" type="datetimeFigureOut">
               <a:rPr lang="en-US"/>
-              <a:t>8/7/23</a:t>
+              <a:t>8/3/24</a:t>
             </a:fld>
             <a:endParaRPr lang="en-US"/>
           </a:p>
@@ -1880,7 +1880,7 @@
           <a:p>
             <a:fld id="{1D8BD707-D9CF-40AE-B4C6-C98DA3205C09}" type="datetimeFigureOut">
               <a:rPr lang="en-US"/>
-              <a:t>8/7/23</a:t>
+              <a:t>8/3/24</a:t>
             </a:fld>
             <a:endParaRPr lang="en-US"/>
           </a:p>
@@ -3827,7 +3827,7 @@
                   </a:schemeClr>
                 </a:solidFill>
               </a:rPr>
-              <a:t>          '</a:t>
+              <a:t>          ‘</a:t>
             </a:r>
             <a:r>
               <a:rPr lang="en-US" sz="2800" dirty="0" err="1">
@@ -3953,17 +3953,17 @@
                 <a:effectLst/>
                 <a:latin typeface="Helvetica Neue" panose="02000503000000020004" pitchFamily="2" charset="0"/>
               </a:rPr>
-              <a:t> has 4 rows and 3 columns by the name "</a:t>
-            </a:r>
-            <a:r>
-              <a:rPr lang="en-US" b="0" i="1" dirty="0">
+              <a:t> has 5 rows and 3 columns by the name "</a:t>
+            </a:r>
+            <a:r>
+              <a:rPr lang="en-US" b="0" i="1" dirty="0" err="1">
                 <a:solidFill>
                   <a:srgbClr val="000000"/>
                 </a:solidFill>
                 <a:effectLst/>
                 <a:latin typeface="Helvetica Neue" panose="02000503000000020004" pitchFamily="2" charset="0"/>
               </a:rPr>
-              <a:t>pop</a:t>
+              <a:t>popu</a:t>
             </a:r>
             <a:r>
               <a:rPr lang="en-US" b="0" i="0" dirty="0">

--- a/day 5-6-python packages/data_manipulation_python.pptx
+++ b/day 5-6-python packages/data_manipulation_python.pptx
@@ -259,7 +259,7 @@
           <a:p>
             <a:fld id="{4B217743-A6FA-3F46-B739-75615A4EE492}" type="datetimeFigureOut">
               <a:rPr lang="en-US" smtClean="0"/>
-              <a:t>8/3/24</a:t>
+              <a:t>8/5/24</a:t>
             </a:fld>
             <a:endParaRPr lang="en-US"/>
           </a:p>
@@ -753,7 +753,7 @@
           <a:p>
             <a:fld id="{1D8BD707-D9CF-40AE-B4C6-C98DA3205C09}" type="datetimeFigureOut">
               <a:rPr lang="en-US"/>
-              <a:t>8/3/24</a:t>
+              <a:t>8/5/24</a:t>
             </a:fld>
             <a:endParaRPr lang="en-US"/>
           </a:p>
@@ -980,7 +980,7 @@
           <a:p>
             <a:fld id="{1D8BD707-D9CF-40AE-B4C6-C98DA3205C09}" type="datetimeFigureOut">
               <a:rPr lang="en-US"/>
-              <a:t>8/3/24</a:t>
+              <a:t>8/5/24</a:t>
             </a:fld>
             <a:endParaRPr lang="en-US"/>
           </a:p>
@@ -1194,7 +1194,7 @@
           <a:p>
             <a:fld id="{1D8BD707-D9CF-40AE-B4C6-C98DA3205C09}" type="datetimeFigureOut">
               <a:rPr lang="en-US"/>
-              <a:t>8/3/24</a:t>
+              <a:t>8/5/24</a:t>
             </a:fld>
             <a:endParaRPr lang="en-US"/>
           </a:p>
@@ -1442,7 +1442,7 @@
           <a:p>
             <a:fld id="{1D8BD707-D9CF-40AE-B4C6-C98DA3205C09}" type="datetimeFigureOut">
               <a:rPr lang="en-US"/>
-              <a:t>8/3/24</a:t>
+              <a:t>8/5/24</a:t>
             </a:fld>
             <a:endParaRPr lang="en-US"/>
           </a:p>
@@ -1561,7 +1561,7 @@
           <a:p>
             <a:fld id="{1D8BD707-D9CF-40AE-B4C6-C98DA3205C09}" type="datetimeFigureOut">
               <a:rPr lang="en-US"/>
-              <a:t>8/3/24</a:t>
+              <a:t>8/5/24</a:t>
             </a:fld>
             <a:endParaRPr lang="en-US"/>
           </a:p>
@@ -1880,7 +1880,7 @@
           <a:p>
             <a:fld id="{1D8BD707-D9CF-40AE-B4C6-C98DA3205C09}" type="datetimeFigureOut">
               <a:rPr lang="en-US"/>
-              <a:t>8/3/24</a:t>
+              <a:t>8/5/24</a:t>
             </a:fld>
             <a:endParaRPr lang="en-US"/>
           </a:p>
@@ -8443,7 +8443,7 @@
                   </a:schemeClr>
                 </a:solidFill>
               </a:rPr>
-              <a:t>, compression='</a:t>
+              <a:t>, compression=“</a:t>
             </a:r>
             <a:r>
               <a:rPr lang="en-US" sz="2800" dirty="0" err="1">
@@ -8463,7 +8463,7 @@
                   </a:schemeClr>
                 </a:solidFill>
               </a:rPr>
-              <a:t>’)</a:t>
+              <a:t>”)</a:t>
             </a:r>
           </a:p>
           <a:p>
@@ -21614,7 +21614,7 @@
         <p:spPr>
           <a:xfrm>
             <a:off x="6517640" y="6850709"/>
-            <a:ext cx="1371600" cy="2862322"/>
+            <a:ext cx="1280160" cy="2862322"/>
           </a:xfrm>
           <a:prstGeom prst="rect">
             <a:avLst/>
@@ -21637,7 +21637,13 @@
             </a:r>
             <a:r>
               <a:rPr lang="en-US" dirty="0"/>
-              <a:t> 0.169830 j 0.878143</a:t>
+              <a:t> 0.169830 </a:t>
+            </a:r>
+          </a:p>
+          <a:p>
+            <a:r>
+              <a:rPr lang="en-US" dirty="0"/>
+              <a:t>j 0.878143</a:t>
             </a:r>
           </a:p>
         </p:txBody>
